--- a/Ehux_d7_for_tyson.pptx
+++ b/Ehux_d7_for_tyson.pptx
@@ -2587,7 +2587,7 @@
           </a:ln>
           <a:extLst>
             <a:ext uri="{C572A759-6A51-4108-AA02-DFA0A04FC94B}">
-              <ma14:wrappingTextBoxFlag xmlns="" xmlns:m="http://schemas.openxmlformats.org/officeDocument/2006/math" xmlns:a14="http://schemas.microsoft.com/office/drawing/2010/main" xmlns:ma14="http://schemas.microsoft.com/office/mac/drawingml/2011/main" val="1"/>
+              <ma14:wrappingTextBoxFlag xmlns:ma14="http://schemas.microsoft.com/office/mac/drawingml/2011/main" xmlns:a14="http://schemas.microsoft.com/office/drawing/2010/main" xmlns:m="http://schemas.openxmlformats.org/officeDocument/2006/math" xmlns="" val="1"/>
             </a:ext>
           </a:extLst>
         </p:spPr>
@@ -2626,7 +2626,7 @@
           </a:ln>
           <a:extLst>
             <a:ext uri="{C572A759-6A51-4108-AA02-DFA0A04FC94B}">
-              <ma14:wrappingTextBoxFlag xmlns="" xmlns:m="http://schemas.openxmlformats.org/officeDocument/2006/math" xmlns:a14="http://schemas.microsoft.com/office/drawing/2010/main" xmlns:ma14="http://schemas.microsoft.com/office/mac/drawingml/2011/main" val="1"/>
+              <ma14:wrappingTextBoxFlag xmlns:ma14="http://schemas.microsoft.com/office/mac/drawingml/2011/main" xmlns:a14="http://schemas.microsoft.com/office/drawing/2010/main" xmlns:m="http://schemas.openxmlformats.org/officeDocument/2006/math" xmlns="" val="1"/>
             </a:ext>
           </a:extLst>
         </p:spPr>
@@ -4773,7 +4773,7 @@
           </a:ln>
           <a:extLst>
             <a:ext uri="{C572A759-6A51-4108-AA02-DFA0A04FC94B}">
-              <ma14:wrappingTextBoxFlag xmlns="" xmlns:m="http://schemas.openxmlformats.org/officeDocument/2006/math" xmlns:a14="http://schemas.microsoft.com/office/drawing/2010/main" xmlns:ma14="http://schemas.microsoft.com/office/mac/drawingml/2011/main" val="1"/>
+              <ma14:wrappingTextBoxFlag xmlns:ma14="http://schemas.microsoft.com/office/mac/drawingml/2011/main" xmlns:a14="http://schemas.microsoft.com/office/drawing/2010/main" xmlns:m="http://schemas.openxmlformats.org/officeDocument/2006/math" xmlns="" val="1"/>
             </a:ext>
           </a:extLst>
         </p:spPr>
@@ -5217,7 +5217,7 @@
           </a:ln>
           <a:extLst>
             <a:ext uri="{C572A759-6A51-4108-AA02-DFA0A04FC94B}">
-              <ma14:wrappingTextBoxFlag xmlns="" xmlns:m="http://schemas.openxmlformats.org/officeDocument/2006/math" xmlns:a14="http://schemas.microsoft.com/office/drawing/2010/main" xmlns:ma14="http://schemas.microsoft.com/office/mac/drawingml/2011/main" val="1"/>
+              <ma14:wrappingTextBoxFlag xmlns:ma14="http://schemas.microsoft.com/office/mac/drawingml/2011/main" xmlns:a14="http://schemas.microsoft.com/office/drawing/2010/main" xmlns:m="http://schemas.openxmlformats.org/officeDocument/2006/math" xmlns="" val="1"/>
             </a:ext>
           </a:extLst>
         </p:spPr>
@@ -5410,7 +5410,7 @@
           </a:ln>
           <a:extLst>
             <a:ext uri="{C572A759-6A51-4108-AA02-DFA0A04FC94B}">
-              <ma14:wrappingTextBoxFlag xmlns="" xmlns:m="http://schemas.openxmlformats.org/officeDocument/2006/math" xmlns:a14="http://schemas.microsoft.com/office/drawing/2010/main" xmlns:ma14="http://schemas.microsoft.com/office/mac/drawingml/2011/main" val="1"/>
+              <ma14:wrappingTextBoxFlag xmlns:ma14="http://schemas.microsoft.com/office/mac/drawingml/2011/main" xmlns:a14="http://schemas.microsoft.com/office/drawing/2010/main" xmlns:m="http://schemas.openxmlformats.org/officeDocument/2006/math" xmlns="" val="1"/>
             </a:ext>
           </a:extLst>
         </p:spPr>
